--- a/sample1.pptx
+++ b/sample1.pptx
@@ -3344,12 +3344,66 @@
         </p:nvSpPr>
         <p:spPr/>
         <p:txBody>
-          <a:bodyPr/>
+          <a:bodyPr>
+            <a:normAutofit fontScale="90000"/>
+          </a:bodyPr>
           <a:lstStyle/>
           <a:p>
             <a:r>
               <a:rPr lang="en-US" dirty="0" err="1"/>
-              <a:t>adasdadsdad</a:t>
+              <a:t>Adasd</a:t>
+            </a:r>
+            <a:br>
+              <a:rPr lang="en-US" dirty="0"/>
+            </a:br>
+            <a:br>
+              <a:rPr lang="en-US" dirty="0"/>
+            </a:br>
+            <a:r>
+              <a:rPr lang="en-US" dirty="0"/>
+              <a:t>ad</a:t>
+            </a:r>
+            <a:br>
+              <a:rPr lang="en-US" dirty="0"/>
+            </a:br>
+            <a:r>
+              <a:rPr lang="en-US" dirty="0"/>
+              <a:t>as</a:t>
+            </a:r>
+            <a:br>
+              <a:rPr lang="en-US" dirty="0"/>
+            </a:br>
+            <a:r>
+              <a:rPr lang="en-US" dirty="0"/>
+              <a:t>das</a:t>
+            </a:r>
+            <a:br>
+              <a:rPr lang="en-US" dirty="0"/>
+            </a:br>
+            <a:r>
+              <a:rPr lang="en-US" dirty="0"/>
+              <a:t>da</a:t>
+            </a:r>
+            <a:br>
+              <a:rPr lang="en-US" dirty="0"/>
+            </a:br>
+            <a:r>
+              <a:rPr lang="en-US" dirty="0" err="1"/>
+              <a:t>sda</a:t>
+            </a:r>
+            <a:br>
+              <a:rPr lang="en-US"/>
+            </a:br>
+            <a:r>
+              <a:rPr lang="en-US"/>
+              <a:t>d</a:t>
+            </a:r>
+            <a:br>
+              <a:rPr lang="en-US"/>
+            </a:br>
+            <a:r>
+              <a:rPr lang="en-US"/>
+              <a:t>adsdad</a:t>
             </a:r>
             <a:endParaRPr lang="en-US" dirty="0"/>
           </a:p>

--- a/sample1.pptx
+++ b/sample1.pptx
@@ -3428,7 +3428,7 @@
         <p:spPr/>
         <p:txBody>
           <a:bodyPr>
-            <a:normAutofit fontScale="77500" lnSpcReduction="20000"/>
+            <a:normAutofit fontScale="25000" lnSpcReduction="20000"/>
           </a:bodyPr>
           <a:lstStyle/>
           <a:p>
@@ -3459,9 +3459,44 @@
           </a:p>
           <a:p>
             <a:r>
-              <a:rPr lang="en-US"/>
-              <a:t>asd</a:t>
-            </a:r>
+              <a:rPr lang="en-US" dirty="0" err="1"/>
+              <a:t>Asd</a:t>
+            </a:r>
+            <a:endParaRPr lang="en-US" dirty="0"/>
+          </a:p>
+          <a:p>
+            <a:endParaRPr lang="en-US" dirty="0"/>
+          </a:p>
+          <a:p>
+            <a:r>
+              <a:rPr lang="en-US" dirty="0"/>
+              <a:t>Adad</a:t>
+            </a:r>
+          </a:p>
+          <a:p>
+            <a:r>
+              <a:rPr lang="en-US" dirty="0"/>
+              <a:t>Ad</a:t>
+            </a:r>
+          </a:p>
+          <a:p>
+            <a:r>
+              <a:rPr lang="en-US" dirty="0"/>
+              <a:t>A</a:t>
+            </a:r>
+          </a:p>
+          <a:p>
+            <a:r>
+              <a:rPr lang="en-US" dirty="0"/>
+              <a:t>Das</a:t>
+            </a:r>
+          </a:p>
+          <a:p>
+            <a:r>
+              <a:rPr lang="en-US"/>
+              <a:t>d</a:t>
+            </a:r>
+            <a:endParaRPr lang="en-US" dirty="0"/>
           </a:p>
         </p:txBody>
       </p:sp>
